--- a/images/Microsoft PowerPoint-Präsentation (neu).pptx
+++ b/images/Microsoft PowerPoint-Präsentation (neu).pptx
@@ -106,18 +106,7 @@
   </p:defaultTextStyle>
   <p:extLst>
     <p:ext uri="{EFAFB233-063F-42B5-8137-9DF3F51BA10A}">
-      <p15:sldGuideLst xmlns:p15="http://schemas.microsoft.com/office/powerpoint/2012/main">
-        <p15:guide id="1" orient="horz" pos="2160" userDrawn="1">
-          <p15:clr>
-            <a:srgbClr val="A4A3A4"/>
-          </p15:clr>
-        </p15:guide>
-        <p15:guide id="2" pos="3840" userDrawn="1">
-          <p15:clr>
-            <a:srgbClr val="A4A3A4"/>
-          </p15:clr>
-        </p15:guide>
-      </p15:sldGuideLst>
+      <p15:sldGuideLst xmlns:p15="http://schemas.microsoft.com/office/powerpoint/2012/main"/>
     </p:ext>
   </p:extLst>
 </p:presentation>
@@ -254,7 +243,7 @@
           <a:p>
             <a:fld id="{A1B70B8E-1F12-47C1-A7DC-E870913C01EB}" type="datetimeFigureOut">
               <a:rPr lang="en-GB" smtClean="0"/>
-              <a:t>11/03/2015</a:t>
+              <a:t>14/03/2015</a:t>
             </a:fld>
             <a:endParaRPr lang="en-GB"/>
           </a:p>
@@ -424,7 +413,7 @@
           <a:p>
             <a:fld id="{A1B70B8E-1F12-47C1-A7DC-E870913C01EB}" type="datetimeFigureOut">
               <a:rPr lang="en-GB" smtClean="0"/>
-              <a:t>11/03/2015</a:t>
+              <a:t>14/03/2015</a:t>
             </a:fld>
             <a:endParaRPr lang="en-GB"/>
           </a:p>
@@ -604,7 +593,7 @@
           <a:p>
             <a:fld id="{A1B70B8E-1F12-47C1-A7DC-E870913C01EB}" type="datetimeFigureOut">
               <a:rPr lang="en-GB" smtClean="0"/>
-              <a:t>11/03/2015</a:t>
+              <a:t>14/03/2015</a:t>
             </a:fld>
             <a:endParaRPr lang="en-GB"/>
           </a:p>
@@ -774,7 +763,7 @@
           <a:p>
             <a:fld id="{A1B70B8E-1F12-47C1-A7DC-E870913C01EB}" type="datetimeFigureOut">
               <a:rPr lang="en-GB" smtClean="0"/>
-              <a:t>11/03/2015</a:t>
+              <a:t>14/03/2015</a:t>
             </a:fld>
             <a:endParaRPr lang="en-GB"/>
           </a:p>
@@ -1020,7 +1009,7 @@
           <a:p>
             <a:fld id="{A1B70B8E-1F12-47C1-A7DC-E870913C01EB}" type="datetimeFigureOut">
               <a:rPr lang="en-GB" smtClean="0"/>
-              <a:t>11/03/2015</a:t>
+              <a:t>14/03/2015</a:t>
             </a:fld>
             <a:endParaRPr lang="en-GB"/>
           </a:p>
@@ -1252,7 +1241,7 @@
           <a:p>
             <a:fld id="{A1B70B8E-1F12-47C1-A7DC-E870913C01EB}" type="datetimeFigureOut">
               <a:rPr lang="en-GB" smtClean="0"/>
-              <a:t>11/03/2015</a:t>
+              <a:t>14/03/2015</a:t>
             </a:fld>
             <a:endParaRPr lang="en-GB"/>
           </a:p>
@@ -1619,7 +1608,7 @@
           <a:p>
             <a:fld id="{A1B70B8E-1F12-47C1-A7DC-E870913C01EB}" type="datetimeFigureOut">
               <a:rPr lang="en-GB" smtClean="0"/>
-              <a:t>11/03/2015</a:t>
+              <a:t>14/03/2015</a:t>
             </a:fld>
             <a:endParaRPr lang="en-GB"/>
           </a:p>
@@ -1737,7 +1726,7 @@
           <a:p>
             <a:fld id="{A1B70B8E-1F12-47C1-A7DC-E870913C01EB}" type="datetimeFigureOut">
               <a:rPr lang="en-GB" smtClean="0"/>
-              <a:t>11/03/2015</a:t>
+              <a:t>14/03/2015</a:t>
             </a:fld>
             <a:endParaRPr lang="en-GB"/>
           </a:p>
@@ -1832,7 +1821,7 @@
           <a:p>
             <a:fld id="{A1B70B8E-1F12-47C1-A7DC-E870913C01EB}" type="datetimeFigureOut">
               <a:rPr lang="en-GB" smtClean="0"/>
-              <a:t>11/03/2015</a:t>
+              <a:t>14/03/2015</a:t>
             </a:fld>
             <a:endParaRPr lang="en-GB"/>
           </a:p>
@@ -2109,7 +2098,7 @@
           <a:p>
             <a:fld id="{A1B70B8E-1F12-47C1-A7DC-E870913C01EB}" type="datetimeFigureOut">
               <a:rPr lang="en-GB" smtClean="0"/>
-              <a:t>11/03/2015</a:t>
+              <a:t>14/03/2015</a:t>
             </a:fld>
             <a:endParaRPr lang="en-GB"/>
           </a:p>
@@ -2362,7 +2351,7 @@
           <a:p>
             <a:fld id="{A1B70B8E-1F12-47C1-A7DC-E870913C01EB}" type="datetimeFigureOut">
               <a:rPr lang="en-GB" smtClean="0"/>
-              <a:t>11/03/2015</a:t>
+              <a:t>14/03/2015</a:t>
             </a:fld>
             <a:endParaRPr lang="en-GB"/>
           </a:p>
@@ -2575,7 +2564,7 @@
           <a:p>
             <a:fld id="{A1B70B8E-1F12-47C1-A7DC-E870913C01EB}" type="datetimeFigureOut">
               <a:rPr lang="en-GB" smtClean="0"/>
-              <a:t>11/03/2015</a:t>
+              <a:t>14/03/2015</a:t>
             </a:fld>
             <a:endParaRPr lang="en-GB"/>
           </a:p>
@@ -3268,6 +3257,546 @@
           </a:p>
         </p:txBody>
       </p:sp>
+      <p:pic>
+        <p:nvPicPr>
+          <p:cNvPr id="2" name="Grafik 1"/>
+          <p:cNvPicPr>
+            <a:picLocks noChangeAspect="1"/>
+          </p:cNvPicPr>
+          <p:nvPr/>
+        </p:nvPicPr>
+        <p:blipFill>
+          <a:blip r:embed="rId2">
+            <a:extLst>
+              <a:ext uri="{28A0092B-C50C-407E-A947-70E740481C1C}">
+                <a14:useLocalDpi xmlns:a14="http://schemas.microsoft.com/office/drawing/2010/main" val="0"/>
+              </a:ext>
+            </a:extLst>
+          </a:blip>
+          <a:stretch>
+            <a:fillRect/>
+          </a:stretch>
+        </p:blipFill>
+        <p:spPr>
+          <a:xfrm>
+            <a:off x="891655" y="2798308"/>
+            <a:ext cx="4162564" cy="1261383"/>
+          </a:xfrm>
+          <a:prstGeom prst="rect">
+            <a:avLst/>
+          </a:prstGeom>
+          <a:ln w="228600" cap="sq" cmpd="thickThin">
+            <a:solidFill>
+              <a:srgbClr val="000000"/>
+            </a:solidFill>
+            <a:prstDash val="solid"/>
+            <a:miter lim="800000"/>
+          </a:ln>
+          <a:effectLst>
+            <a:innerShdw blurRad="76200">
+              <a:srgbClr val="000000"/>
+            </a:innerShdw>
+          </a:effectLst>
+        </p:spPr>
+      </p:pic>
+      <p:sp>
+        <p:nvSpPr>
+          <p:cNvPr id="12" name="Rechteck 11"/>
+          <p:cNvSpPr/>
+          <p:nvPr/>
+        </p:nvSpPr>
+        <p:spPr>
+          <a:xfrm>
+            <a:off x="5231640" y="687042"/>
+            <a:ext cx="4094329" cy="946140"/>
+          </a:xfrm>
+          <a:prstGeom prst="rect">
+            <a:avLst/>
+          </a:prstGeom>
+          <a:solidFill>
+            <a:schemeClr val="accent1">
+              <a:lumMod val="75000"/>
+            </a:schemeClr>
+          </a:solidFill>
+          <a:ln>
+            <a:noFill/>
+          </a:ln>
+        </p:spPr>
+        <p:style>
+          <a:lnRef idx="2">
+            <a:schemeClr val="accent1">
+              <a:shade val="50000"/>
+            </a:schemeClr>
+          </a:lnRef>
+          <a:fillRef idx="1">
+            <a:schemeClr val="accent1"/>
+          </a:fillRef>
+          <a:effectRef idx="0">
+            <a:schemeClr val="accent1"/>
+          </a:effectRef>
+          <a:fontRef idx="minor">
+            <a:schemeClr val="lt1"/>
+          </a:fontRef>
+        </p:style>
+        <p:txBody>
+          <a:bodyPr rtlCol="0" anchor="b"/>
+          <a:lstStyle/>
+          <a:p>
+            <a:pPr algn="ctr"/>
+            <a:r>
+              <a:rPr lang="de-DE" sz="4400" dirty="0" err="1">
+                <a:effectLst>
+                  <a:outerShdw blurRad="38100" dist="38100" dir="2700000" algn="tl">
+                    <a:srgbClr val="000000">
+                      <a:alpha val="43137"/>
+                    </a:srgbClr>
+                  </a:outerShdw>
+                </a:effectLst>
+              </a:rPr>
+              <a:t>e</a:t>
+            </a:r>
+            <a:r>
+              <a:rPr lang="de-DE" sz="4400" dirty="0" err="1" smtClean="0">
+                <a:effectLst>
+                  <a:outerShdw blurRad="38100" dist="38100" dir="2700000" algn="tl">
+                    <a:srgbClr val="000000">
+                      <a:alpha val="43137"/>
+                    </a:srgbClr>
+                  </a:outerShdw>
+                </a:effectLst>
+              </a:rPr>
+              <a:t>nv</a:t>
+            </a:r>
+            <a:r>
+              <a:rPr lang="de-DE" sz="4400" dirty="0" smtClean="0">
+                <a:effectLst>
+                  <a:outerShdw blurRad="38100" dist="38100" dir="2700000" algn="tl">
+                    <a:srgbClr val="000000">
+                      <a:alpha val="43137"/>
+                    </a:srgbClr>
+                  </a:outerShdw>
+                </a:effectLst>
+              </a:rPr>
+              <a:t> </a:t>
+            </a:r>
+            <a:r>
+              <a:rPr lang="de-DE" sz="4400" dirty="0">
+                <a:effectLst>
+                  <a:outerShdw blurRad="38100" dist="38100" dir="2700000" algn="tl">
+                    <a:srgbClr val="000000">
+                      <a:alpha val="43137"/>
+                    </a:srgbClr>
+                  </a:outerShdw>
+                </a:effectLst>
+              </a:rPr>
+              <a:t> </a:t>
+            </a:r>
+            <a:r>
+              <a:rPr lang="de-DE" sz="4400" dirty="0" err="1" smtClean="0">
+                <a:effectLst>
+                  <a:outerShdw blurRad="38100" dist="38100" dir="2700000" algn="tl">
+                    <a:srgbClr val="000000">
+                      <a:alpha val="43137"/>
+                    </a:srgbClr>
+                  </a:outerShdw>
+                </a:effectLst>
+              </a:rPr>
+              <a:t>roCar</a:t>
+            </a:r>
+            <a:r>
+              <a:rPr lang="de-DE" sz="4400" dirty="0" smtClean="0">
+                <a:effectLst>
+                  <a:outerShdw blurRad="38100" dist="38100" dir="2700000" algn="tl">
+                    <a:srgbClr val="000000">
+                      <a:alpha val="43137"/>
+                    </a:srgbClr>
+                  </a:outerShdw>
+                </a:effectLst>
+              </a:rPr>
+              <a:t> </a:t>
+            </a:r>
+            <a:r>
+              <a:rPr lang="de-DE" sz="4400" dirty="0" err="1" smtClean="0">
+                <a:effectLst>
+                  <a:outerShdw blurRad="38100" dist="38100" dir="2700000" algn="tl">
+                    <a:srgbClr val="000000">
+                      <a:alpha val="43137"/>
+                    </a:srgbClr>
+                  </a:outerShdw>
+                </a:effectLst>
+              </a:rPr>
+              <a:t>No</a:t>
+            </a:r>
+            <a:r>
+              <a:rPr lang="de-DE" sz="4400" dirty="0" smtClean="0">
+                <a:effectLst>
+                  <a:outerShdw blurRad="38100" dist="38100" dir="2700000" algn="tl">
+                    <a:srgbClr val="000000">
+                      <a:alpha val="43137"/>
+                    </a:srgbClr>
+                  </a:outerShdw>
+                </a:effectLst>
+              </a:rPr>
+              <a:t>  se</a:t>
+            </a:r>
+            <a:endParaRPr lang="en-GB" sz="4400" dirty="0">
+              <a:effectLst>
+                <a:outerShdw blurRad="38100" dist="38100" dir="2700000" algn="tl">
+                  <a:srgbClr val="000000">
+                    <a:alpha val="43137"/>
+                  </a:srgbClr>
+                </a:outerShdw>
+              </a:effectLst>
+            </a:endParaRPr>
+          </a:p>
+        </p:txBody>
+      </p:sp>
+      <p:pic>
+        <p:nvPicPr>
+          <p:cNvPr id="16" name="Grafik 15"/>
+          <p:cNvPicPr>
+            <a:picLocks noChangeAspect="1"/>
+          </p:cNvPicPr>
+          <p:nvPr/>
+        </p:nvPicPr>
+        <p:blipFill>
+          <a:blip r:embed="rId3">
+            <a:clrChange>
+              <a:clrFrom>
+                <a:srgbClr val="FFFFFF"/>
+              </a:clrFrom>
+              <a:clrTo>
+                <a:srgbClr val="FFFFFF">
+                  <a:alpha val="0"/>
+                </a:srgbClr>
+              </a:clrTo>
+            </a:clrChange>
+          </a:blip>
+          <a:stretch>
+            <a:fillRect/>
+          </a:stretch>
+        </p:blipFill>
+        <p:spPr>
+          <a:xfrm>
+            <a:off x="5894693" y="705702"/>
+            <a:ext cx="545911" cy="793277"/>
+          </a:xfrm>
+          <a:prstGeom prst="rect">
+            <a:avLst/>
+          </a:prstGeom>
+        </p:spPr>
+      </p:pic>
+      <p:pic>
+        <p:nvPicPr>
+          <p:cNvPr id="13" name="Grafik 12"/>
+          <p:cNvPicPr>
+            <a:picLocks noChangeAspect="1"/>
+          </p:cNvPicPr>
+          <p:nvPr/>
+        </p:nvPicPr>
+        <p:blipFill>
+          <a:blip r:embed="rId4">
+            <a:extLst>
+              <a:ext uri="{28A0092B-C50C-407E-A947-70E740481C1C}">
+                <a14:useLocalDpi xmlns:a14="http://schemas.microsoft.com/office/drawing/2010/main" val="0"/>
+              </a:ext>
+            </a:extLst>
+          </a:blip>
+          <a:stretch>
+            <a:fillRect/>
+          </a:stretch>
+        </p:blipFill>
+        <p:spPr>
+          <a:xfrm>
+            <a:off x="6881312" y="2798308"/>
+            <a:ext cx="477673" cy="477673"/>
+          </a:xfrm>
+          <a:prstGeom prst="rect">
+            <a:avLst/>
+          </a:prstGeom>
+        </p:spPr>
+      </p:pic>
+      <p:pic>
+        <p:nvPicPr>
+          <p:cNvPr id="18" name="Grafik 17"/>
+          <p:cNvPicPr>
+            <a:picLocks noChangeAspect="1"/>
+          </p:cNvPicPr>
+          <p:nvPr/>
+        </p:nvPicPr>
+        <p:blipFill>
+          <a:blip r:embed="rId5">
+            <a:clrChange>
+              <a:clrFrom>
+                <a:srgbClr val="FFFFFF"/>
+              </a:clrFrom>
+              <a:clrTo>
+                <a:srgbClr val="FFFFFF">
+                  <a:alpha val="0"/>
+                </a:srgbClr>
+              </a:clrTo>
+            </a:clrChange>
+          </a:blip>
+          <a:stretch>
+            <a:fillRect/>
+          </a:stretch>
+        </p:blipFill>
+        <p:spPr>
+          <a:xfrm>
+            <a:off x="8475252" y="1135039"/>
+            <a:ext cx="177429" cy="371756"/>
+          </a:xfrm>
+          <a:prstGeom prst="rect">
+            <a:avLst/>
+          </a:prstGeom>
+        </p:spPr>
+      </p:pic>
+      <p:sp>
+        <p:nvSpPr>
+          <p:cNvPr id="21" name="Halbbogen 20"/>
+          <p:cNvSpPr/>
+          <p:nvPr/>
+        </p:nvSpPr>
+        <p:spPr>
+          <a:xfrm rot="5400000">
+            <a:off x="6374034" y="1902619"/>
+            <a:ext cx="823702" cy="985837"/>
+          </a:xfrm>
+          <a:prstGeom prst="blockArc">
+            <a:avLst>
+              <a:gd name="adj1" fmla="val 12403170"/>
+              <a:gd name="adj2" fmla="val 19782685"/>
+              <a:gd name="adj3" fmla="val 10570"/>
+            </a:avLst>
+          </a:prstGeom>
+          <a:solidFill>
+            <a:srgbClr val="8CBF3F"/>
+          </a:solidFill>
+          <a:ln>
+            <a:solidFill>
+              <a:schemeClr val="bg1"/>
+            </a:solidFill>
+          </a:ln>
+        </p:spPr>
+        <p:style>
+          <a:lnRef idx="2">
+            <a:schemeClr val="accent1">
+              <a:shade val="50000"/>
+            </a:schemeClr>
+          </a:lnRef>
+          <a:fillRef idx="1">
+            <a:schemeClr val="accent1"/>
+          </a:fillRef>
+          <a:effectRef idx="0">
+            <a:schemeClr val="accent1"/>
+          </a:effectRef>
+          <a:fontRef idx="minor">
+            <a:schemeClr val="lt1"/>
+          </a:fontRef>
+        </p:style>
+        <p:txBody>
+          <a:bodyPr rtlCol="0" anchor="ctr"/>
+          <a:lstStyle/>
+          <a:p>
+            <a:pPr algn="ctr"/>
+            <a:endParaRPr lang="en-GB">
+              <a:solidFill>
+                <a:schemeClr val="tx1"/>
+              </a:solidFill>
+            </a:endParaRPr>
+          </a:p>
+        </p:txBody>
+      </p:sp>
+      <p:sp>
+        <p:nvSpPr>
+          <p:cNvPr id="22" name="Halbbogen 21"/>
+          <p:cNvSpPr/>
+          <p:nvPr/>
+        </p:nvSpPr>
+        <p:spPr>
+          <a:xfrm rot="4621813">
+            <a:off x="6660368" y="2185987"/>
+            <a:ext cx="441890" cy="419100"/>
+          </a:xfrm>
+          <a:prstGeom prst="blockArc">
+            <a:avLst>
+              <a:gd name="adj1" fmla="val 12852627"/>
+              <a:gd name="adj2" fmla="val 21319911"/>
+              <a:gd name="adj3" fmla="val 18782"/>
+            </a:avLst>
+          </a:prstGeom>
+          <a:ln>
+            <a:solidFill>
+              <a:schemeClr val="bg1"/>
+            </a:solidFill>
+          </a:ln>
+        </p:spPr>
+        <p:style>
+          <a:lnRef idx="2">
+            <a:schemeClr val="accent1">
+              <a:shade val="50000"/>
+            </a:schemeClr>
+          </a:lnRef>
+          <a:fillRef idx="1">
+            <a:schemeClr val="accent1"/>
+          </a:fillRef>
+          <a:effectRef idx="0">
+            <a:schemeClr val="accent1"/>
+          </a:effectRef>
+          <a:fontRef idx="minor">
+            <a:schemeClr val="lt1"/>
+          </a:fontRef>
+        </p:style>
+        <p:txBody>
+          <a:bodyPr rtlCol="0" anchor="ctr"/>
+          <a:lstStyle/>
+          <a:p>
+            <a:pPr algn="ctr"/>
+            <a:endParaRPr lang="en-GB">
+              <a:solidFill>
+                <a:schemeClr val="tx1"/>
+              </a:solidFill>
+            </a:endParaRPr>
+          </a:p>
+        </p:txBody>
+      </p:sp>
+      <p:sp>
+        <p:nvSpPr>
+          <p:cNvPr id="27" name="Freihandform 26"/>
+          <p:cNvSpPr/>
+          <p:nvPr/>
+        </p:nvSpPr>
+        <p:spPr>
+          <a:xfrm rot="16200000">
+            <a:off x="6504761" y="2269294"/>
+            <a:ext cx="361950" cy="271537"/>
+          </a:xfrm>
+          <a:custGeom>
+            <a:avLst/>
+            <a:gdLst>
+              <a:gd name="connsiteX0" fmla="*/ 361950 w 361950"/>
+              <a:gd name="connsiteY0" fmla="*/ 271537 h 271537"/>
+              <a:gd name="connsiteX1" fmla="*/ 0 w 361950"/>
+              <a:gd name="connsiteY1" fmla="*/ 271537 h 271537"/>
+              <a:gd name="connsiteX2" fmla="*/ 111920 w 361950"/>
+              <a:gd name="connsiteY2" fmla="*/ 110536 h 271537"/>
+              <a:gd name="connsiteX3" fmla="*/ 111920 w 361950"/>
+              <a:gd name="connsiteY3" fmla="*/ 0 h 271537"/>
+              <a:gd name="connsiteX4" fmla="*/ 250033 w 361950"/>
+              <a:gd name="connsiteY4" fmla="*/ 0 h 271537"/>
+              <a:gd name="connsiteX5" fmla="*/ 250033 w 361950"/>
+              <a:gd name="connsiteY5" fmla="*/ 110540 h 271537"/>
+            </a:gdLst>
+            <a:ahLst/>
+            <a:cxnLst>
+              <a:cxn ang="0">
+                <a:pos x="connsiteX0" y="connsiteY0"/>
+              </a:cxn>
+              <a:cxn ang="0">
+                <a:pos x="connsiteX1" y="connsiteY1"/>
+              </a:cxn>
+              <a:cxn ang="0">
+                <a:pos x="connsiteX2" y="connsiteY2"/>
+              </a:cxn>
+              <a:cxn ang="0">
+                <a:pos x="connsiteX3" y="connsiteY3"/>
+              </a:cxn>
+              <a:cxn ang="0">
+                <a:pos x="connsiteX4" y="connsiteY4"/>
+              </a:cxn>
+              <a:cxn ang="0">
+                <a:pos x="connsiteX5" y="connsiteY5"/>
+              </a:cxn>
+            </a:cxnLst>
+            <a:rect l="l" t="t" r="r" b="b"/>
+            <a:pathLst>
+              <a:path w="361950" h="271537">
+                <a:moveTo>
+                  <a:pt x="361950" y="271537"/>
+                </a:moveTo>
+                <a:lnTo>
+                  <a:pt x="0" y="271537"/>
+                </a:lnTo>
+                <a:lnTo>
+                  <a:pt x="111920" y="110536"/>
+                </a:lnTo>
+                <a:lnTo>
+                  <a:pt x="111920" y="0"/>
+                </a:lnTo>
+                <a:lnTo>
+                  <a:pt x="250033" y="0"/>
+                </a:lnTo>
+                <a:lnTo>
+                  <a:pt x="250033" y="110540"/>
+                </a:lnTo>
+                <a:close/>
+              </a:path>
+            </a:pathLst>
+          </a:custGeom>
+          <a:solidFill>
+            <a:srgbClr val="8CBF3F"/>
+          </a:solidFill>
+          <a:ln>
+            <a:solidFill>
+              <a:schemeClr val="bg1"/>
+            </a:solidFill>
+          </a:ln>
+        </p:spPr>
+        <p:style>
+          <a:lnRef idx="2">
+            <a:schemeClr val="accent1">
+              <a:shade val="50000"/>
+            </a:schemeClr>
+          </a:lnRef>
+          <a:fillRef idx="1">
+            <a:schemeClr val="accent1"/>
+          </a:fillRef>
+          <a:effectRef idx="0">
+            <a:schemeClr val="accent1"/>
+          </a:effectRef>
+          <a:fontRef idx="minor">
+            <a:schemeClr val="lt1"/>
+          </a:fontRef>
+        </p:style>
+        <p:txBody>
+          <a:bodyPr rtlCol="0" anchor="ctr"/>
+          <a:lstStyle/>
+          <a:p>
+            <a:pPr algn="ctr"/>
+            <a:endParaRPr lang="en-GB"/>
+          </a:p>
+        </p:txBody>
+      </p:sp>
+      <p:pic>
+        <p:nvPicPr>
+          <p:cNvPr id="28" name="Grafik 27"/>
+          <p:cNvPicPr>
+            <a:picLocks noChangeAspect="1"/>
+          </p:cNvPicPr>
+          <p:nvPr/>
+        </p:nvPicPr>
+        <p:blipFill>
+          <a:blip r:embed="rId6" cstate="print">
+            <a:extLst>
+              <a:ext uri="{28A0092B-C50C-407E-A947-70E740481C1C}">
+                <a14:useLocalDpi xmlns:a14="http://schemas.microsoft.com/office/drawing/2010/main" val="0"/>
+              </a:ext>
+            </a:extLst>
+          </a:blip>
+          <a:stretch>
+            <a:fillRect/>
+          </a:stretch>
+        </p:blipFill>
+        <p:spPr>
+          <a:xfrm>
+            <a:off x="8481379" y="790490"/>
+            <a:ext cx="357980" cy="369622"/>
+          </a:xfrm>
+          <a:prstGeom prst="rect">
+            <a:avLst/>
+          </a:prstGeom>
+        </p:spPr>
+      </p:pic>
     </p:spTree>
     <p:extLst>
       <p:ext uri="{BB962C8B-B14F-4D97-AF65-F5344CB8AC3E}">
@@ -3278,6 +3807,13 @@
   <p:clrMapOvr>
     <a:masterClrMapping/>
   </p:clrMapOvr>
+  <p:timing>
+    <p:tnLst>
+      <p:par>
+        <p:cTn id="1" dur="indefinite" restart="never" nodeType="tmRoot"/>
+      </p:par>
+    </p:tnLst>
+  </p:timing>
 </p:sld>
 </file>
 

--- a/images/Microsoft PowerPoint-Präsentation (neu).pptx
+++ b/images/Microsoft PowerPoint-Präsentation (neu).pptx
@@ -243,7 +243,7 @@
           <a:p>
             <a:fld id="{A1B70B8E-1F12-47C1-A7DC-E870913C01EB}" type="datetimeFigureOut">
               <a:rPr lang="en-GB" smtClean="0"/>
-              <a:t>14/03/2015</a:t>
+              <a:t>18/03/2015</a:t>
             </a:fld>
             <a:endParaRPr lang="en-GB"/>
           </a:p>
@@ -413,7 +413,7 @@
           <a:p>
             <a:fld id="{A1B70B8E-1F12-47C1-A7DC-E870913C01EB}" type="datetimeFigureOut">
               <a:rPr lang="en-GB" smtClean="0"/>
-              <a:t>14/03/2015</a:t>
+              <a:t>18/03/2015</a:t>
             </a:fld>
             <a:endParaRPr lang="en-GB"/>
           </a:p>
@@ -593,7 +593,7 @@
           <a:p>
             <a:fld id="{A1B70B8E-1F12-47C1-A7DC-E870913C01EB}" type="datetimeFigureOut">
               <a:rPr lang="en-GB" smtClean="0"/>
-              <a:t>14/03/2015</a:t>
+              <a:t>18/03/2015</a:t>
             </a:fld>
             <a:endParaRPr lang="en-GB"/>
           </a:p>
@@ -763,7 +763,7 @@
           <a:p>
             <a:fld id="{A1B70B8E-1F12-47C1-A7DC-E870913C01EB}" type="datetimeFigureOut">
               <a:rPr lang="en-GB" smtClean="0"/>
-              <a:t>14/03/2015</a:t>
+              <a:t>18/03/2015</a:t>
             </a:fld>
             <a:endParaRPr lang="en-GB"/>
           </a:p>
@@ -1009,7 +1009,7 @@
           <a:p>
             <a:fld id="{A1B70B8E-1F12-47C1-A7DC-E870913C01EB}" type="datetimeFigureOut">
               <a:rPr lang="en-GB" smtClean="0"/>
-              <a:t>14/03/2015</a:t>
+              <a:t>18/03/2015</a:t>
             </a:fld>
             <a:endParaRPr lang="en-GB"/>
           </a:p>
@@ -1241,7 +1241,7 @@
           <a:p>
             <a:fld id="{A1B70B8E-1F12-47C1-A7DC-E870913C01EB}" type="datetimeFigureOut">
               <a:rPr lang="en-GB" smtClean="0"/>
-              <a:t>14/03/2015</a:t>
+              <a:t>18/03/2015</a:t>
             </a:fld>
             <a:endParaRPr lang="en-GB"/>
           </a:p>
@@ -1608,7 +1608,7 @@
           <a:p>
             <a:fld id="{A1B70B8E-1F12-47C1-A7DC-E870913C01EB}" type="datetimeFigureOut">
               <a:rPr lang="en-GB" smtClean="0"/>
-              <a:t>14/03/2015</a:t>
+              <a:t>18/03/2015</a:t>
             </a:fld>
             <a:endParaRPr lang="en-GB"/>
           </a:p>
@@ -1726,7 +1726,7 @@
           <a:p>
             <a:fld id="{A1B70B8E-1F12-47C1-A7DC-E870913C01EB}" type="datetimeFigureOut">
               <a:rPr lang="en-GB" smtClean="0"/>
-              <a:t>14/03/2015</a:t>
+              <a:t>18/03/2015</a:t>
             </a:fld>
             <a:endParaRPr lang="en-GB"/>
           </a:p>
@@ -1821,7 +1821,7 @@
           <a:p>
             <a:fld id="{A1B70B8E-1F12-47C1-A7DC-E870913C01EB}" type="datetimeFigureOut">
               <a:rPr lang="en-GB" smtClean="0"/>
-              <a:t>14/03/2015</a:t>
+              <a:t>18/03/2015</a:t>
             </a:fld>
             <a:endParaRPr lang="en-GB"/>
           </a:p>
@@ -2098,7 +2098,7 @@
           <a:p>
             <a:fld id="{A1B70B8E-1F12-47C1-A7DC-E870913C01EB}" type="datetimeFigureOut">
               <a:rPr lang="en-GB" smtClean="0"/>
-              <a:t>14/03/2015</a:t>
+              <a:t>18/03/2015</a:t>
             </a:fld>
             <a:endParaRPr lang="en-GB"/>
           </a:p>
@@ -2351,7 +2351,7 @@
           <a:p>
             <a:fld id="{A1B70B8E-1F12-47C1-A7DC-E870913C01EB}" type="datetimeFigureOut">
               <a:rPr lang="en-GB" smtClean="0"/>
-              <a:t>14/03/2015</a:t>
+              <a:t>18/03/2015</a:t>
             </a:fld>
             <a:endParaRPr lang="en-GB"/>
           </a:p>
@@ -2564,7 +2564,7 @@
           <a:p>
             <a:fld id="{A1B70B8E-1F12-47C1-A7DC-E870913C01EB}" type="datetimeFigureOut">
               <a:rPr lang="en-GB" smtClean="0"/>
-              <a:t>14/03/2015</a:t>
+              <a:t>18/03/2015</a:t>
             </a:fld>
             <a:endParaRPr lang="en-GB"/>
           </a:p>
@@ -3279,7 +3279,7 @@
         </p:blipFill>
         <p:spPr>
           <a:xfrm>
-            <a:off x="891655" y="2798308"/>
+            <a:off x="7717670" y="533797"/>
             <a:ext cx="4162564" cy="1261383"/>
           </a:xfrm>
           <a:prstGeom prst="rect">
@@ -3797,6 +3797,589 @@
           </a:prstGeom>
         </p:spPr>
       </p:pic>
+      <p:pic>
+        <p:nvPicPr>
+          <p:cNvPr id="3" name="Grafik 2"/>
+          <p:cNvPicPr>
+            <a:picLocks noChangeAspect="1"/>
+          </p:cNvPicPr>
+          <p:nvPr/>
+        </p:nvPicPr>
+        <p:blipFill>
+          <a:blip r:embed="rId7"/>
+          <a:stretch>
+            <a:fillRect/>
+          </a:stretch>
+        </p:blipFill>
+        <p:spPr>
+          <a:xfrm>
+            <a:off x="7530544" y="3421054"/>
+            <a:ext cx="1787050" cy="2349197"/>
+          </a:xfrm>
+          <a:prstGeom prst="rect">
+            <a:avLst/>
+          </a:prstGeom>
+        </p:spPr>
+      </p:pic>
+      <p:sp>
+        <p:nvSpPr>
+          <p:cNvPr id="24" name="Rechteck 23"/>
+          <p:cNvSpPr/>
+          <p:nvPr/>
+        </p:nvSpPr>
+        <p:spPr>
+          <a:xfrm>
+            <a:off x="9569334" y="2224087"/>
+            <a:ext cx="1805247" cy="2868613"/>
+          </a:xfrm>
+          <a:prstGeom prst="rect">
+            <a:avLst/>
+          </a:prstGeom>
+          <a:solidFill>
+            <a:schemeClr val="bg1">
+              <a:lumMod val="95000"/>
+            </a:schemeClr>
+          </a:solidFill>
+          <a:ln>
+            <a:noFill/>
+          </a:ln>
+        </p:spPr>
+        <p:style>
+          <a:lnRef idx="2">
+            <a:schemeClr val="accent1">
+              <a:shade val="50000"/>
+            </a:schemeClr>
+          </a:lnRef>
+          <a:fillRef idx="1">
+            <a:schemeClr val="accent1"/>
+          </a:fillRef>
+          <a:effectRef idx="0">
+            <a:schemeClr val="accent1"/>
+          </a:effectRef>
+          <a:fontRef idx="minor">
+            <a:schemeClr val="lt1"/>
+          </a:fontRef>
+        </p:style>
+        <p:txBody>
+          <a:bodyPr rtlCol="0" anchor="t"/>
+          <a:lstStyle/>
+          <a:p>
+            <a:r>
+              <a:rPr lang="de-DE" sz="2400" b="1" dirty="0" smtClean="0">
+                <a:solidFill>
+                  <a:schemeClr val="tx1"/>
+                </a:solidFill>
+                <a:latin typeface="+mj-lt"/>
+              </a:rPr>
+              <a:t>Legend</a:t>
+            </a:r>
+          </a:p>
+          <a:p>
+            <a:r>
+              <a:rPr lang="de-DE" dirty="0" err="1" smtClean="0">
+                <a:solidFill>
+                  <a:schemeClr val="tx1"/>
+                </a:solidFill>
+                <a:latin typeface="+mj-lt"/>
+              </a:rPr>
+              <a:t>Showing</a:t>
+            </a:r>
+            <a:r>
+              <a:rPr lang="de-DE" dirty="0" smtClean="0">
+                <a:solidFill>
+                  <a:schemeClr val="tx1"/>
+                </a:solidFill>
+                <a:latin typeface="+mj-lt"/>
+              </a:rPr>
+              <a:t> Noise</a:t>
+            </a:r>
+          </a:p>
+          <a:p>
+            <a:endParaRPr lang="de-DE" dirty="0" smtClean="0">
+              <a:solidFill>
+                <a:schemeClr val="tx1"/>
+              </a:solidFill>
+              <a:latin typeface="+mj-lt"/>
+            </a:endParaRPr>
+          </a:p>
+          <a:p>
+            <a:pPr algn="ctr"/>
+            <a:endParaRPr lang="en-GB" dirty="0">
+              <a:solidFill>
+                <a:schemeClr val="tx1"/>
+              </a:solidFill>
+            </a:endParaRPr>
+          </a:p>
+        </p:txBody>
+      </p:sp>
+      <p:pic>
+        <p:nvPicPr>
+          <p:cNvPr id="11" name="Grafik 10"/>
+          <p:cNvPicPr>
+            <a:picLocks noChangeAspect="1"/>
+          </p:cNvPicPr>
+          <p:nvPr/>
+        </p:nvPicPr>
+        <p:blipFill>
+          <a:blip r:embed="rId8">
+            <a:extLst>
+              <a:ext uri="{28A0092B-C50C-407E-A947-70E740481C1C}">
+                <a14:useLocalDpi xmlns:a14="http://schemas.microsoft.com/office/drawing/2010/main" val="0"/>
+              </a:ext>
+            </a:extLst>
+          </a:blip>
+          <a:stretch>
+            <a:fillRect/>
+          </a:stretch>
+        </p:blipFill>
+        <p:spPr>
+          <a:xfrm>
+            <a:off x="9700041" y="3058210"/>
+            <a:ext cx="210669" cy="210669"/>
+          </a:xfrm>
+          <a:prstGeom prst="rect">
+            <a:avLst/>
+          </a:prstGeom>
+        </p:spPr>
+      </p:pic>
+      <p:pic>
+        <p:nvPicPr>
+          <p:cNvPr id="14" name="Grafik 13"/>
+          <p:cNvPicPr>
+            <a:picLocks noChangeAspect="1"/>
+          </p:cNvPicPr>
+          <p:nvPr/>
+        </p:nvPicPr>
+        <p:blipFill>
+          <a:blip r:embed="rId9">
+            <a:extLst>
+              <a:ext uri="{28A0092B-C50C-407E-A947-70E740481C1C}">
+                <a14:useLocalDpi xmlns:a14="http://schemas.microsoft.com/office/drawing/2010/main" val="0"/>
+              </a:ext>
+            </a:extLst>
+          </a:blip>
+          <a:stretch>
+            <a:fillRect/>
+          </a:stretch>
+        </p:blipFill>
+        <p:spPr>
+          <a:xfrm>
+            <a:off x="9699852" y="3353642"/>
+            <a:ext cx="210669" cy="210669"/>
+          </a:xfrm>
+          <a:prstGeom prst="rect">
+            <a:avLst/>
+          </a:prstGeom>
+        </p:spPr>
+      </p:pic>
+      <p:pic>
+        <p:nvPicPr>
+          <p:cNvPr id="15" name="Grafik 14"/>
+          <p:cNvPicPr>
+            <a:picLocks noChangeAspect="1"/>
+          </p:cNvPicPr>
+          <p:nvPr/>
+        </p:nvPicPr>
+        <p:blipFill>
+          <a:blip r:embed="rId10">
+            <a:extLst>
+              <a:ext uri="{28A0092B-C50C-407E-A947-70E740481C1C}">
+                <a14:useLocalDpi xmlns:a14="http://schemas.microsoft.com/office/drawing/2010/main" val="0"/>
+              </a:ext>
+            </a:extLst>
+          </a:blip>
+          <a:stretch>
+            <a:fillRect/>
+          </a:stretch>
+        </p:blipFill>
+        <p:spPr>
+          <a:xfrm>
+            <a:off x="9699851" y="3645218"/>
+            <a:ext cx="210669" cy="210669"/>
+          </a:xfrm>
+          <a:prstGeom prst="rect">
+            <a:avLst/>
+          </a:prstGeom>
+        </p:spPr>
+      </p:pic>
+      <p:pic>
+        <p:nvPicPr>
+          <p:cNvPr id="17" name="Grafik 16"/>
+          <p:cNvPicPr>
+            <a:picLocks noChangeAspect="1"/>
+          </p:cNvPicPr>
+          <p:nvPr/>
+        </p:nvPicPr>
+        <p:blipFill>
+          <a:blip r:embed="rId11">
+            <a:extLst>
+              <a:ext uri="{28A0092B-C50C-407E-A947-70E740481C1C}">
+                <a14:useLocalDpi xmlns:a14="http://schemas.microsoft.com/office/drawing/2010/main" val="0"/>
+              </a:ext>
+            </a:extLst>
+          </a:blip>
+          <a:stretch>
+            <a:fillRect/>
+          </a:stretch>
+        </p:blipFill>
+        <p:spPr>
+          <a:xfrm>
+            <a:off x="9693619" y="3940650"/>
+            <a:ext cx="210669" cy="210669"/>
+          </a:xfrm>
+          <a:prstGeom prst="rect">
+            <a:avLst/>
+          </a:prstGeom>
+        </p:spPr>
+      </p:pic>
+      <p:pic>
+        <p:nvPicPr>
+          <p:cNvPr id="20" name="Grafik 19"/>
+          <p:cNvPicPr>
+            <a:picLocks noChangeAspect="1"/>
+          </p:cNvPicPr>
+          <p:nvPr/>
+        </p:nvPicPr>
+        <p:blipFill>
+          <a:blip r:embed="rId12">
+            <a:extLst>
+              <a:ext uri="{28A0092B-C50C-407E-A947-70E740481C1C}">
+                <a14:useLocalDpi xmlns:a14="http://schemas.microsoft.com/office/drawing/2010/main" val="0"/>
+              </a:ext>
+            </a:extLst>
+          </a:blip>
+          <a:stretch>
+            <a:fillRect/>
+          </a:stretch>
+        </p:blipFill>
+        <p:spPr>
+          <a:xfrm>
+            <a:off x="9693618" y="4232226"/>
+            <a:ext cx="210669" cy="210669"/>
+          </a:xfrm>
+          <a:prstGeom prst="rect">
+            <a:avLst/>
+          </a:prstGeom>
+        </p:spPr>
+      </p:pic>
+      <p:pic>
+        <p:nvPicPr>
+          <p:cNvPr id="23" name="Grafik 22"/>
+          <p:cNvPicPr>
+            <a:picLocks noChangeAspect="1"/>
+          </p:cNvPicPr>
+          <p:nvPr/>
+        </p:nvPicPr>
+        <p:blipFill>
+          <a:blip r:embed="rId13">
+            <a:extLst>
+              <a:ext uri="{28A0092B-C50C-407E-A947-70E740481C1C}">
+                <a14:useLocalDpi xmlns:a14="http://schemas.microsoft.com/office/drawing/2010/main" val="0"/>
+              </a:ext>
+            </a:extLst>
+          </a:blip>
+          <a:stretch>
+            <a:fillRect/>
+          </a:stretch>
+        </p:blipFill>
+        <p:spPr>
+          <a:xfrm>
+            <a:off x="9696329" y="4523802"/>
+            <a:ext cx="212036" cy="212036"/>
+          </a:xfrm>
+          <a:prstGeom prst="rect">
+            <a:avLst/>
+          </a:prstGeom>
+        </p:spPr>
+      </p:pic>
+      <p:sp>
+        <p:nvSpPr>
+          <p:cNvPr id="25" name="Textfeld 24"/>
+          <p:cNvSpPr txBox="1"/>
+          <p:nvPr/>
+        </p:nvSpPr>
+        <p:spPr>
+          <a:xfrm>
+            <a:off x="9939738" y="2984310"/>
+            <a:ext cx="1565361" cy="369332"/>
+          </a:xfrm>
+          <a:prstGeom prst="rect">
+            <a:avLst/>
+          </a:prstGeom>
+          <a:noFill/>
+        </p:spPr>
+        <p:txBody>
+          <a:bodyPr wrap="square" rtlCol="0">
+            <a:spAutoFit/>
+          </a:bodyPr>
+          <a:lstStyle/>
+          <a:p>
+            <a:r>
+              <a:rPr lang="de-DE" dirty="0" smtClean="0"/>
+              <a:t>0-55 dB(A)</a:t>
+            </a:r>
+            <a:endParaRPr lang="en-GB" dirty="0"/>
+          </a:p>
+        </p:txBody>
+      </p:sp>
+      <p:sp>
+        <p:nvSpPr>
+          <p:cNvPr id="29" name="Textfeld 28"/>
+          <p:cNvSpPr txBox="1"/>
+          <p:nvPr/>
+        </p:nvSpPr>
+        <p:spPr>
+          <a:xfrm>
+            <a:off x="9939738" y="3268879"/>
+            <a:ext cx="1565361" cy="369332"/>
+          </a:xfrm>
+          <a:prstGeom prst="rect">
+            <a:avLst/>
+          </a:prstGeom>
+          <a:noFill/>
+        </p:spPr>
+        <p:txBody>
+          <a:bodyPr wrap="square" rtlCol="0">
+            <a:spAutoFit/>
+          </a:bodyPr>
+          <a:lstStyle/>
+          <a:p>
+            <a:r>
+              <a:rPr lang="de-DE" dirty="0" smtClean="0"/>
+              <a:t>55-65 dB(A)</a:t>
+            </a:r>
+            <a:endParaRPr lang="en-GB" dirty="0"/>
+          </a:p>
+        </p:txBody>
+      </p:sp>
+      <p:sp>
+        <p:nvSpPr>
+          <p:cNvPr id="30" name="Textfeld 29"/>
+          <p:cNvSpPr txBox="1"/>
+          <p:nvPr/>
+        </p:nvSpPr>
+        <p:spPr>
+          <a:xfrm>
+            <a:off x="9939737" y="3552523"/>
+            <a:ext cx="1565361" cy="369332"/>
+          </a:xfrm>
+          <a:prstGeom prst="rect">
+            <a:avLst/>
+          </a:prstGeom>
+          <a:noFill/>
+        </p:spPr>
+        <p:txBody>
+          <a:bodyPr wrap="square" rtlCol="0">
+            <a:spAutoFit/>
+          </a:bodyPr>
+          <a:lstStyle/>
+          <a:p>
+            <a:r>
+              <a:rPr lang="de-DE" dirty="0" smtClean="0"/>
+              <a:t>65-70 dB(A)</a:t>
+            </a:r>
+            <a:endParaRPr lang="en-GB" dirty="0"/>
+          </a:p>
+        </p:txBody>
+      </p:sp>
+      <p:sp>
+        <p:nvSpPr>
+          <p:cNvPr id="31" name="Textfeld 30"/>
+          <p:cNvSpPr txBox="1"/>
+          <p:nvPr/>
+        </p:nvSpPr>
+        <p:spPr>
+          <a:xfrm>
+            <a:off x="9939737" y="3837092"/>
+            <a:ext cx="1565361" cy="369332"/>
+          </a:xfrm>
+          <a:prstGeom prst="rect">
+            <a:avLst/>
+          </a:prstGeom>
+          <a:noFill/>
+        </p:spPr>
+        <p:txBody>
+          <a:bodyPr wrap="square" rtlCol="0">
+            <a:spAutoFit/>
+          </a:bodyPr>
+          <a:lstStyle/>
+          <a:p>
+            <a:r>
+              <a:rPr lang="de-DE" dirty="0" smtClean="0"/>
+              <a:t>70-75 dB(A)</a:t>
+            </a:r>
+            <a:endParaRPr lang="en-GB" dirty="0"/>
+          </a:p>
+        </p:txBody>
+      </p:sp>
+      <p:sp>
+        <p:nvSpPr>
+          <p:cNvPr id="32" name="Textfeld 31"/>
+          <p:cNvSpPr txBox="1"/>
+          <p:nvPr/>
+        </p:nvSpPr>
+        <p:spPr>
+          <a:xfrm>
+            <a:off x="9958356" y="4121661"/>
+            <a:ext cx="1565361" cy="369332"/>
+          </a:xfrm>
+          <a:prstGeom prst="rect">
+            <a:avLst/>
+          </a:prstGeom>
+          <a:noFill/>
+        </p:spPr>
+        <p:txBody>
+          <a:bodyPr wrap="square" rtlCol="0">
+            <a:spAutoFit/>
+          </a:bodyPr>
+          <a:lstStyle/>
+          <a:p>
+            <a:r>
+              <a:rPr lang="de-DE" dirty="0" smtClean="0"/>
+              <a:t>75-80 dB(A)</a:t>
+            </a:r>
+            <a:endParaRPr lang="en-GB" dirty="0"/>
+          </a:p>
+        </p:txBody>
+      </p:sp>
+      <p:sp>
+        <p:nvSpPr>
+          <p:cNvPr id="33" name="Textfeld 32"/>
+          <p:cNvSpPr txBox="1"/>
+          <p:nvPr/>
+        </p:nvSpPr>
+        <p:spPr>
+          <a:xfrm>
+            <a:off x="9968622" y="4410987"/>
+            <a:ext cx="1565361" cy="369332"/>
+          </a:xfrm>
+          <a:prstGeom prst="rect">
+            <a:avLst/>
+          </a:prstGeom>
+          <a:noFill/>
+        </p:spPr>
+        <p:txBody>
+          <a:bodyPr wrap="square" rtlCol="0">
+            <a:spAutoFit/>
+          </a:bodyPr>
+          <a:lstStyle/>
+          <a:p>
+            <a:r>
+              <a:rPr lang="de-DE" dirty="0" smtClean="0"/>
+              <a:t>80-85 dB(A)</a:t>
+            </a:r>
+            <a:endParaRPr lang="en-GB" dirty="0"/>
+          </a:p>
+        </p:txBody>
+      </p:sp>
+      <p:sp>
+        <p:nvSpPr>
+          <p:cNvPr id="34" name="Ellipse 33"/>
+          <p:cNvSpPr>
+            <a:spLocks noChangeAspect="1"/>
+          </p:cNvSpPr>
+          <p:nvPr/>
+        </p:nvSpPr>
+        <p:spPr>
+          <a:xfrm>
+            <a:off x="3043451" y="1897039"/>
+            <a:ext cx="81886" cy="81886"/>
+          </a:xfrm>
+          <a:prstGeom prst="ellipse">
+            <a:avLst/>
+          </a:prstGeom>
+          <a:solidFill>
+            <a:srgbClr val="FF2D2D"/>
+          </a:solidFill>
+          <a:ln>
+            <a:noFill/>
+          </a:ln>
+        </p:spPr>
+        <p:style>
+          <a:lnRef idx="2">
+            <a:schemeClr val="accent1">
+              <a:shade val="50000"/>
+            </a:schemeClr>
+          </a:lnRef>
+          <a:fillRef idx="1">
+            <a:schemeClr val="accent1"/>
+          </a:fillRef>
+          <a:effectRef idx="0">
+            <a:schemeClr val="accent1"/>
+          </a:effectRef>
+          <a:fontRef idx="minor">
+            <a:schemeClr val="lt1"/>
+          </a:fontRef>
+        </p:style>
+        <p:txBody>
+          <a:bodyPr rtlCol="0" anchor="ctr"/>
+          <a:lstStyle/>
+          <a:p>
+            <a:pPr algn="ctr"/>
+            <a:endParaRPr lang="en-GB"/>
+          </a:p>
+        </p:txBody>
+      </p:sp>
+      <p:pic>
+        <p:nvPicPr>
+          <p:cNvPr id="35" name="Grafik 34"/>
+          <p:cNvPicPr>
+            <a:picLocks noChangeAspect="1"/>
+          </p:cNvPicPr>
+          <p:nvPr/>
+        </p:nvPicPr>
+        <p:blipFill>
+          <a:blip r:embed="rId14">
+            <a:extLst>
+              <a:ext uri="{28A0092B-C50C-407E-A947-70E740481C1C}">
+                <a14:useLocalDpi xmlns:a14="http://schemas.microsoft.com/office/drawing/2010/main" val="0"/>
+              </a:ext>
+            </a:extLst>
+          </a:blip>
+          <a:stretch>
+            <a:fillRect/>
+          </a:stretch>
+        </p:blipFill>
+        <p:spPr>
+          <a:xfrm>
+            <a:off x="9693618" y="4816745"/>
+            <a:ext cx="217092" cy="217092"/>
+          </a:xfrm>
+          <a:prstGeom prst="rect">
+            <a:avLst/>
+          </a:prstGeom>
+        </p:spPr>
+      </p:pic>
+      <p:sp>
+        <p:nvSpPr>
+          <p:cNvPr id="36" name="Textfeld 35"/>
+          <p:cNvSpPr txBox="1"/>
+          <p:nvPr/>
+        </p:nvSpPr>
+        <p:spPr>
+          <a:xfrm>
+            <a:off x="9968622" y="4723368"/>
+            <a:ext cx="1565361" cy="369332"/>
+          </a:xfrm>
+          <a:prstGeom prst="rect">
+            <a:avLst/>
+          </a:prstGeom>
+          <a:noFill/>
+        </p:spPr>
+        <p:txBody>
+          <a:bodyPr wrap="square" rtlCol="0">
+            <a:spAutoFit/>
+          </a:bodyPr>
+          <a:lstStyle/>
+          <a:p>
+            <a:r>
+              <a:rPr lang="de-DE" dirty="0" smtClean="0"/>
+              <a:t>&gt; 85 dB(A)</a:t>
+            </a:r>
+            <a:endParaRPr lang="en-GB" dirty="0"/>
+          </a:p>
+        </p:txBody>
+      </p:sp>
     </p:spTree>
     <p:extLst>
       <p:ext uri="{BB962C8B-B14F-4D97-AF65-F5344CB8AC3E}">
